--- a/SPA/React/react-redux/intro.pptx
+++ b/SPA/React/react-redux/intro.pptx
@@ -4,6 +4,9 @@
   <p:sldMasterIdLst>
     <p:sldMasterId id="2147483648" r:id="rId1"/>
   </p:sldMasterIdLst>
+  <p:notesMasterIdLst>
+    <p:notesMasterId r:id="rId25"/>
+  </p:notesMasterIdLst>
   <p:sldIdLst>
     <p:sldId id="256" r:id="rId2"/>
     <p:sldId id="258" r:id="rId3"/>
@@ -18,15 +21,16 @@
     <p:sldId id="261" r:id="rId12"/>
     <p:sldId id="262" r:id="rId13"/>
     <p:sldId id="265" r:id="rId14"/>
-    <p:sldId id="257" r:id="rId15"/>
-    <p:sldId id="270" r:id="rId16"/>
-    <p:sldId id="271" r:id="rId17"/>
-    <p:sldId id="275" r:id="rId18"/>
-    <p:sldId id="272" r:id="rId19"/>
-    <p:sldId id="273" r:id="rId20"/>
-    <p:sldId id="274" r:id="rId21"/>
-    <p:sldId id="276" r:id="rId22"/>
-    <p:sldId id="277" r:id="rId23"/>
+    <p:sldId id="278" r:id="rId15"/>
+    <p:sldId id="279" r:id="rId16"/>
+    <p:sldId id="270" r:id="rId17"/>
+    <p:sldId id="271" r:id="rId18"/>
+    <p:sldId id="275" r:id="rId19"/>
+    <p:sldId id="272" r:id="rId20"/>
+    <p:sldId id="273" r:id="rId21"/>
+    <p:sldId id="274" r:id="rId22"/>
+    <p:sldId id="276" r:id="rId23"/>
+    <p:sldId id="277" r:id="rId24"/>
   </p:sldIdLst>
   <p:sldSz cx="12192000" cy="6858000"/>
   <p:notesSz cx="6858000" cy="9144000"/>
@@ -133,6 +137,440 @@
 </p:presentation>
 </file>
 
+<file path=ppt/notesMasters/notesMaster1.xml><?xml version="1.0" encoding="utf-8"?>
+<p:notesMaster xmlns:a="http://schemas.openxmlformats.org/drawingml/2006/main" xmlns:r="http://schemas.openxmlformats.org/officeDocument/2006/relationships" xmlns:p="http://schemas.openxmlformats.org/presentationml/2006/main">
+  <p:cSld>
+    <p:bg>
+      <p:bgRef idx="1001">
+        <a:schemeClr val="bg1"/>
+      </p:bgRef>
+    </p:bg>
+    <p:spTree>
+      <p:nvGrpSpPr>
+        <p:cNvPr id="1" name=""/>
+        <p:cNvGrpSpPr/>
+        <p:nvPr/>
+      </p:nvGrpSpPr>
+      <p:grpSpPr>
+        <a:xfrm>
+          <a:off x="0" y="0"/>
+          <a:ext cx="0" cy="0"/>
+          <a:chOff x="0" y="0"/>
+          <a:chExt cx="0" cy="0"/>
+        </a:xfrm>
+      </p:grpSpPr>
+      <p:sp>
+        <p:nvSpPr>
+          <p:cNvPr id="2" name="Header Placeholder 1"/>
+          <p:cNvSpPr>
+            <a:spLocks noGrp="1"/>
+          </p:cNvSpPr>
+          <p:nvPr>
+            <p:ph type="hdr" sz="quarter"/>
+          </p:nvPr>
+        </p:nvSpPr>
+        <p:spPr>
+          <a:xfrm>
+            <a:off x="0" y="0"/>
+            <a:ext cx="2971800" cy="458788"/>
+          </a:xfrm>
+          <a:prstGeom prst="rect">
+            <a:avLst/>
+          </a:prstGeom>
+        </p:spPr>
+        <p:txBody>
+          <a:bodyPr vert="horz" lIns="91440" tIns="45720" rIns="91440" bIns="45720" rtlCol="0"/>
+          <a:lstStyle>
+            <a:lvl1pPr algn="l">
+              <a:defRPr sz="1200"/>
+            </a:lvl1pPr>
+          </a:lstStyle>
+          <a:p>
+            <a:endParaRPr lang="en-IL"/>
+          </a:p>
+        </p:txBody>
+      </p:sp>
+      <p:sp>
+        <p:nvSpPr>
+          <p:cNvPr id="3" name="Date Placeholder 2"/>
+          <p:cNvSpPr>
+            <a:spLocks noGrp="1"/>
+          </p:cNvSpPr>
+          <p:nvPr>
+            <p:ph type="dt" idx="1"/>
+          </p:nvPr>
+        </p:nvSpPr>
+        <p:spPr>
+          <a:xfrm>
+            <a:off x="3884613" y="0"/>
+            <a:ext cx="2971800" cy="458788"/>
+          </a:xfrm>
+          <a:prstGeom prst="rect">
+            <a:avLst/>
+          </a:prstGeom>
+        </p:spPr>
+        <p:txBody>
+          <a:bodyPr vert="horz" lIns="91440" tIns="45720" rIns="91440" bIns="45720" rtlCol="0"/>
+          <a:lstStyle>
+            <a:lvl1pPr algn="r">
+              <a:defRPr sz="1200"/>
+            </a:lvl1pPr>
+          </a:lstStyle>
+          <a:p>
+            <a:fld id="{4F2922BB-F927-1C47-86C2-10B1856B86C1}" type="datetimeFigureOut">
+              <a:rPr lang="en-IL" smtClean="0"/>
+              <a:t>25/07/2022</a:t>
+            </a:fld>
+            <a:endParaRPr lang="en-IL"/>
+          </a:p>
+        </p:txBody>
+      </p:sp>
+      <p:sp>
+        <p:nvSpPr>
+          <p:cNvPr id="4" name="Slide Image Placeholder 3"/>
+          <p:cNvSpPr>
+            <a:spLocks noGrp="1" noRot="1" noChangeAspect="1"/>
+          </p:cNvSpPr>
+          <p:nvPr>
+            <p:ph type="sldImg" idx="2"/>
+          </p:nvPr>
+        </p:nvSpPr>
+        <p:spPr>
+          <a:xfrm>
+            <a:off x="685800" y="1143000"/>
+            <a:ext cx="5486400" cy="3086100"/>
+          </a:xfrm>
+          <a:prstGeom prst="rect">
+            <a:avLst/>
+          </a:prstGeom>
+          <a:noFill/>
+          <a:ln w="12700">
+            <a:solidFill>
+              <a:prstClr val="black"/>
+            </a:solidFill>
+          </a:ln>
+        </p:spPr>
+        <p:txBody>
+          <a:bodyPr vert="horz" lIns="91440" tIns="45720" rIns="91440" bIns="45720" rtlCol="0" anchor="ctr"/>
+          <a:lstStyle/>
+          <a:p>
+            <a:endParaRPr lang="en-IL"/>
+          </a:p>
+        </p:txBody>
+      </p:sp>
+      <p:sp>
+        <p:nvSpPr>
+          <p:cNvPr id="5" name="Notes Placeholder 4"/>
+          <p:cNvSpPr>
+            <a:spLocks noGrp="1"/>
+          </p:cNvSpPr>
+          <p:nvPr>
+            <p:ph type="body" sz="quarter" idx="3"/>
+          </p:nvPr>
+        </p:nvSpPr>
+        <p:spPr>
+          <a:xfrm>
+            <a:off x="685800" y="4400550"/>
+            <a:ext cx="5486400" cy="3600450"/>
+          </a:xfrm>
+          <a:prstGeom prst="rect">
+            <a:avLst/>
+          </a:prstGeom>
+        </p:spPr>
+        <p:txBody>
+          <a:bodyPr vert="horz" lIns="91440" tIns="45720" rIns="91440" bIns="45720" rtlCol="0"/>
+          <a:lstStyle/>
+          <a:p>
+            <a:pPr lvl="0"/>
+            <a:r>
+              <a:rPr lang="en-US"/>
+              <a:t>Click to edit Master text styles</a:t>
+            </a:r>
+          </a:p>
+          <a:p>
+            <a:pPr lvl="1"/>
+            <a:r>
+              <a:rPr lang="en-US"/>
+              <a:t>Second level</a:t>
+            </a:r>
+          </a:p>
+          <a:p>
+            <a:pPr lvl="2"/>
+            <a:r>
+              <a:rPr lang="en-US"/>
+              <a:t>Third level</a:t>
+            </a:r>
+          </a:p>
+          <a:p>
+            <a:pPr lvl="3"/>
+            <a:r>
+              <a:rPr lang="en-US"/>
+              <a:t>Fourth level</a:t>
+            </a:r>
+          </a:p>
+          <a:p>
+            <a:pPr lvl="4"/>
+            <a:r>
+              <a:rPr lang="en-US"/>
+              <a:t>Fifth level</a:t>
+            </a:r>
+            <a:endParaRPr lang="en-IL"/>
+          </a:p>
+        </p:txBody>
+      </p:sp>
+      <p:sp>
+        <p:nvSpPr>
+          <p:cNvPr id="6" name="Footer Placeholder 5"/>
+          <p:cNvSpPr>
+            <a:spLocks noGrp="1"/>
+          </p:cNvSpPr>
+          <p:nvPr>
+            <p:ph type="ftr" sz="quarter" idx="4"/>
+          </p:nvPr>
+        </p:nvSpPr>
+        <p:spPr>
+          <a:xfrm>
+            <a:off x="0" y="8685213"/>
+            <a:ext cx="2971800" cy="458787"/>
+          </a:xfrm>
+          <a:prstGeom prst="rect">
+            <a:avLst/>
+          </a:prstGeom>
+        </p:spPr>
+        <p:txBody>
+          <a:bodyPr vert="horz" lIns="91440" tIns="45720" rIns="91440" bIns="45720" rtlCol="0" anchor="b"/>
+          <a:lstStyle>
+            <a:lvl1pPr algn="l">
+              <a:defRPr sz="1200"/>
+            </a:lvl1pPr>
+          </a:lstStyle>
+          <a:p>
+            <a:endParaRPr lang="en-IL"/>
+          </a:p>
+        </p:txBody>
+      </p:sp>
+      <p:sp>
+        <p:nvSpPr>
+          <p:cNvPr id="7" name="Slide Number Placeholder 6"/>
+          <p:cNvSpPr>
+            <a:spLocks noGrp="1"/>
+          </p:cNvSpPr>
+          <p:nvPr>
+            <p:ph type="sldNum" sz="quarter" idx="5"/>
+          </p:nvPr>
+        </p:nvSpPr>
+        <p:spPr>
+          <a:xfrm>
+            <a:off x="3884613" y="8685213"/>
+            <a:ext cx="2971800" cy="458787"/>
+          </a:xfrm>
+          <a:prstGeom prst="rect">
+            <a:avLst/>
+          </a:prstGeom>
+        </p:spPr>
+        <p:txBody>
+          <a:bodyPr vert="horz" lIns="91440" tIns="45720" rIns="91440" bIns="45720" rtlCol="0" anchor="b"/>
+          <a:lstStyle>
+            <a:lvl1pPr algn="r">
+              <a:defRPr sz="1200"/>
+            </a:lvl1pPr>
+          </a:lstStyle>
+          <a:p>
+            <a:fld id="{1C2A9E20-EFD0-D045-9DC6-DB8ED3B1B73F}" type="slidenum">
+              <a:rPr lang="en-IL" smtClean="0"/>
+              <a:t>‹#›</a:t>
+            </a:fld>
+            <a:endParaRPr lang="en-IL"/>
+          </a:p>
+        </p:txBody>
+      </p:sp>
+    </p:spTree>
+    <p:extLst>
+      <p:ext uri="{BB962C8B-B14F-4D97-AF65-F5344CB8AC3E}">
+        <p14:creationId xmlns:p14="http://schemas.microsoft.com/office/powerpoint/2010/main" val="2839457001"/>
+      </p:ext>
+    </p:extLst>
+  </p:cSld>
+  <p:clrMap bg1="lt1" tx1="dk1" bg2="lt2" tx2="dk2" accent1="accent1" accent2="accent2" accent3="accent3" accent4="accent4" accent5="accent5" accent6="accent6" hlink="hlink" folHlink="folHlink"/>
+  <p:notesStyle>
+    <a:lvl1pPr marL="0" algn="l" defTabSz="914400" rtl="0" eaLnBrk="1" latinLnBrk="0" hangingPunct="1">
+      <a:defRPr sz="1200" kern="1200">
+        <a:solidFill>
+          <a:schemeClr val="tx1"/>
+        </a:solidFill>
+        <a:latin typeface="+mn-lt"/>
+        <a:ea typeface="+mn-ea"/>
+        <a:cs typeface="+mn-cs"/>
+      </a:defRPr>
+    </a:lvl1pPr>
+    <a:lvl2pPr marL="457200" algn="l" defTabSz="914400" rtl="0" eaLnBrk="1" latinLnBrk="0" hangingPunct="1">
+      <a:defRPr sz="1200" kern="1200">
+        <a:solidFill>
+          <a:schemeClr val="tx1"/>
+        </a:solidFill>
+        <a:latin typeface="+mn-lt"/>
+        <a:ea typeface="+mn-ea"/>
+        <a:cs typeface="+mn-cs"/>
+      </a:defRPr>
+    </a:lvl2pPr>
+    <a:lvl3pPr marL="914400" algn="l" defTabSz="914400" rtl="0" eaLnBrk="1" latinLnBrk="0" hangingPunct="1">
+      <a:defRPr sz="1200" kern="1200">
+        <a:solidFill>
+          <a:schemeClr val="tx1"/>
+        </a:solidFill>
+        <a:latin typeface="+mn-lt"/>
+        <a:ea typeface="+mn-ea"/>
+        <a:cs typeface="+mn-cs"/>
+      </a:defRPr>
+    </a:lvl3pPr>
+    <a:lvl4pPr marL="1371600" algn="l" defTabSz="914400" rtl="0" eaLnBrk="1" latinLnBrk="0" hangingPunct="1">
+      <a:defRPr sz="1200" kern="1200">
+        <a:solidFill>
+          <a:schemeClr val="tx1"/>
+        </a:solidFill>
+        <a:latin typeface="+mn-lt"/>
+        <a:ea typeface="+mn-ea"/>
+        <a:cs typeface="+mn-cs"/>
+      </a:defRPr>
+    </a:lvl4pPr>
+    <a:lvl5pPr marL="1828800" algn="l" defTabSz="914400" rtl="0" eaLnBrk="1" latinLnBrk="0" hangingPunct="1">
+      <a:defRPr sz="1200" kern="1200">
+        <a:solidFill>
+          <a:schemeClr val="tx1"/>
+        </a:solidFill>
+        <a:latin typeface="+mn-lt"/>
+        <a:ea typeface="+mn-ea"/>
+        <a:cs typeface="+mn-cs"/>
+      </a:defRPr>
+    </a:lvl5pPr>
+    <a:lvl6pPr marL="2286000" algn="l" defTabSz="914400" rtl="0" eaLnBrk="1" latinLnBrk="0" hangingPunct="1">
+      <a:defRPr sz="1200" kern="1200">
+        <a:solidFill>
+          <a:schemeClr val="tx1"/>
+        </a:solidFill>
+        <a:latin typeface="+mn-lt"/>
+        <a:ea typeface="+mn-ea"/>
+        <a:cs typeface="+mn-cs"/>
+      </a:defRPr>
+    </a:lvl6pPr>
+    <a:lvl7pPr marL="2743200" algn="l" defTabSz="914400" rtl="0" eaLnBrk="1" latinLnBrk="0" hangingPunct="1">
+      <a:defRPr sz="1200" kern="1200">
+        <a:solidFill>
+          <a:schemeClr val="tx1"/>
+        </a:solidFill>
+        <a:latin typeface="+mn-lt"/>
+        <a:ea typeface="+mn-ea"/>
+        <a:cs typeface="+mn-cs"/>
+      </a:defRPr>
+    </a:lvl7pPr>
+    <a:lvl8pPr marL="3200400" algn="l" defTabSz="914400" rtl="0" eaLnBrk="1" latinLnBrk="0" hangingPunct="1">
+      <a:defRPr sz="1200" kern="1200">
+        <a:solidFill>
+          <a:schemeClr val="tx1"/>
+        </a:solidFill>
+        <a:latin typeface="+mn-lt"/>
+        <a:ea typeface="+mn-ea"/>
+        <a:cs typeface="+mn-cs"/>
+      </a:defRPr>
+    </a:lvl8pPr>
+    <a:lvl9pPr marL="3657600" algn="l" defTabSz="914400" rtl="0" eaLnBrk="1" latinLnBrk="0" hangingPunct="1">
+      <a:defRPr sz="1200" kern="1200">
+        <a:solidFill>
+          <a:schemeClr val="tx1"/>
+        </a:solidFill>
+        <a:latin typeface="+mn-lt"/>
+        <a:ea typeface="+mn-ea"/>
+        <a:cs typeface="+mn-cs"/>
+      </a:defRPr>
+    </a:lvl9pPr>
+  </p:notesStyle>
+</p:notesMaster>
+</file>
+
+<file path=ppt/notesSlides/notesSlide1.xml><?xml version="1.0" encoding="utf-8"?>
+<p:notes xmlns:a="http://schemas.openxmlformats.org/drawingml/2006/main" xmlns:r="http://schemas.openxmlformats.org/officeDocument/2006/relationships" xmlns:p="http://schemas.openxmlformats.org/presentationml/2006/main">
+  <p:cSld>
+    <p:spTree>
+      <p:nvGrpSpPr>
+        <p:cNvPr id="1" name=""/>
+        <p:cNvGrpSpPr/>
+        <p:nvPr/>
+      </p:nvGrpSpPr>
+      <p:grpSpPr>
+        <a:xfrm>
+          <a:off x="0" y="0"/>
+          <a:ext cx="0" cy="0"/>
+          <a:chOff x="0" y="0"/>
+          <a:chExt cx="0" cy="0"/>
+        </a:xfrm>
+      </p:grpSpPr>
+      <p:sp>
+        <p:nvSpPr>
+          <p:cNvPr id="2" name="Slide Image Placeholder 1"/>
+          <p:cNvSpPr>
+            <a:spLocks noGrp="1" noRot="1" noChangeAspect="1"/>
+          </p:cNvSpPr>
+          <p:nvPr>
+            <p:ph type="sldImg"/>
+          </p:nvPr>
+        </p:nvSpPr>
+        <p:spPr/>
+      </p:sp>
+      <p:sp>
+        <p:nvSpPr>
+          <p:cNvPr id="3" name="Notes Placeholder 2"/>
+          <p:cNvSpPr>
+            <a:spLocks noGrp="1"/>
+          </p:cNvSpPr>
+          <p:nvPr>
+            <p:ph type="body" idx="1"/>
+          </p:nvPr>
+        </p:nvSpPr>
+        <p:spPr/>
+        <p:txBody>
+          <a:bodyPr/>
+          <a:lstStyle/>
+          <a:p>
+            <a:endParaRPr lang="en-IL" dirty="0"/>
+          </a:p>
+        </p:txBody>
+      </p:sp>
+      <p:sp>
+        <p:nvSpPr>
+          <p:cNvPr id="4" name="Slide Number Placeholder 3"/>
+          <p:cNvSpPr>
+            <a:spLocks noGrp="1"/>
+          </p:cNvSpPr>
+          <p:nvPr>
+            <p:ph type="sldNum" sz="quarter" idx="5"/>
+          </p:nvPr>
+        </p:nvSpPr>
+        <p:spPr/>
+        <p:txBody>
+          <a:bodyPr/>
+          <a:lstStyle/>
+          <a:p>
+            <a:fld id="{1C2A9E20-EFD0-D045-9DC6-DB8ED3B1B73F}" type="slidenum">
+              <a:rPr lang="en-IL" smtClean="0"/>
+              <a:t>23</a:t>
+            </a:fld>
+            <a:endParaRPr lang="en-IL"/>
+          </a:p>
+        </p:txBody>
+      </p:sp>
+    </p:spTree>
+    <p:extLst>
+      <p:ext uri="{BB962C8B-B14F-4D97-AF65-F5344CB8AC3E}">
+        <p14:creationId xmlns:p14="http://schemas.microsoft.com/office/powerpoint/2010/main" val="1850338136"/>
+      </p:ext>
+    </p:extLst>
+  </p:cSld>
+  <p:clrMapOvr>
+    <a:masterClrMapping/>
+  </p:clrMapOvr>
+</p:notes>
+</file>
+
 <file path=ppt/slideLayouts/slideLayout1.xml><?xml version="1.0" encoding="utf-8"?>
 <p:sldLayout xmlns:a="http://schemas.openxmlformats.org/drawingml/2006/main" xmlns:r="http://schemas.openxmlformats.org/officeDocument/2006/relationships" xmlns:p="http://schemas.openxmlformats.org/presentationml/2006/main" type="title" preserve="1">
   <p:cSld name="Title Slide">
@@ -282,7 +720,7 @@
           <a:p>
             <a:fld id="{F2D0713E-9124-624B-AEF6-876E2D4213ED}" type="datetimeFigureOut">
               <a:rPr lang="en-IL" smtClean="0"/>
-              <a:t>13/01/2021</a:t>
+              <a:t>25/07/2022</a:t>
             </a:fld>
             <a:endParaRPr lang="en-IL"/>
           </a:p>
@@ -482,7 +920,7 @@
           <a:p>
             <a:fld id="{F2D0713E-9124-624B-AEF6-876E2D4213ED}" type="datetimeFigureOut">
               <a:rPr lang="en-IL" smtClean="0"/>
-              <a:t>13/01/2021</a:t>
+              <a:t>25/07/2022</a:t>
             </a:fld>
             <a:endParaRPr lang="en-IL"/>
           </a:p>
@@ -692,7 +1130,7 @@
           <a:p>
             <a:fld id="{F2D0713E-9124-624B-AEF6-876E2D4213ED}" type="datetimeFigureOut">
               <a:rPr lang="en-IL" smtClean="0"/>
-              <a:t>13/01/2021</a:t>
+              <a:t>25/07/2022</a:t>
             </a:fld>
             <a:endParaRPr lang="en-IL"/>
           </a:p>
@@ -892,7 +1330,7 @@
           <a:p>
             <a:fld id="{F2D0713E-9124-624B-AEF6-876E2D4213ED}" type="datetimeFigureOut">
               <a:rPr lang="en-IL" smtClean="0"/>
-              <a:t>13/01/2021</a:t>
+              <a:t>25/07/2022</a:t>
             </a:fld>
             <a:endParaRPr lang="en-IL"/>
           </a:p>
@@ -1168,7 +1606,7 @@
           <a:p>
             <a:fld id="{F2D0713E-9124-624B-AEF6-876E2D4213ED}" type="datetimeFigureOut">
               <a:rPr lang="en-IL" smtClean="0"/>
-              <a:t>13/01/2021</a:t>
+              <a:t>25/07/2022</a:t>
             </a:fld>
             <a:endParaRPr lang="en-IL"/>
           </a:p>
@@ -1436,7 +1874,7 @@
           <a:p>
             <a:fld id="{F2D0713E-9124-624B-AEF6-876E2D4213ED}" type="datetimeFigureOut">
               <a:rPr lang="en-IL" smtClean="0"/>
-              <a:t>13/01/2021</a:t>
+              <a:t>25/07/2022</a:t>
             </a:fld>
             <a:endParaRPr lang="en-IL"/>
           </a:p>
@@ -1851,7 +2289,7 @@
           <a:p>
             <a:fld id="{F2D0713E-9124-624B-AEF6-876E2D4213ED}" type="datetimeFigureOut">
               <a:rPr lang="en-IL" smtClean="0"/>
-              <a:t>13/01/2021</a:t>
+              <a:t>25/07/2022</a:t>
             </a:fld>
             <a:endParaRPr lang="en-IL"/>
           </a:p>
@@ -1993,7 +2431,7 @@
           <a:p>
             <a:fld id="{F2D0713E-9124-624B-AEF6-876E2D4213ED}" type="datetimeFigureOut">
               <a:rPr lang="en-IL" smtClean="0"/>
-              <a:t>13/01/2021</a:t>
+              <a:t>25/07/2022</a:t>
             </a:fld>
             <a:endParaRPr lang="en-IL"/>
           </a:p>
@@ -2106,7 +2544,7 @@
           <a:p>
             <a:fld id="{F2D0713E-9124-624B-AEF6-876E2D4213ED}" type="datetimeFigureOut">
               <a:rPr lang="en-IL" smtClean="0"/>
-              <a:t>13/01/2021</a:t>
+              <a:t>25/07/2022</a:t>
             </a:fld>
             <a:endParaRPr lang="en-IL"/>
           </a:p>
@@ -2419,7 +2857,7 @@
           <a:p>
             <a:fld id="{F2D0713E-9124-624B-AEF6-876E2D4213ED}" type="datetimeFigureOut">
               <a:rPr lang="en-IL" smtClean="0"/>
-              <a:t>13/01/2021</a:t>
+              <a:t>25/07/2022</a:t>
             </a:fld>
             <a:endParaRPr lang="en-IL"/>
           </a:p>
@@ -2708,7 +3146,7 @@
           <a:p>
             <a:fld id="{F2D0713E-9124-624B-AEF6-876E2D4213ED}" type="datetimeFigureOut">
               <a:rPr lang="en-IL" smtClean="0"/>
-              <a:t>13/01/2021</a:t>
+              <a:t>25/07/2022</a:t>
             </a:fld>
             <a:endParaRPr lang="en-IL"/>
           </a:p>
@@ -2951,7 +3389,7 @@
           <a:p>
             <a:fld id="{F2D0713E-9124-624B-AEF6-876E2D4213ED}" type="datetimeFigureOut">
               <a:rPr lang="en-IL" smtClean="0"/>
-              <a:t>13/01/2021</a:t>
+              <a:t>25/07/2022</a:t>
             </a:fld>
             <a:endParaRPr lang="en-IL"/>
           </a:p>
@@ -7100,7 +7538,7 @@
         </p:nvSpPr>
         <p:spPr>
           <a:xfrm>
-            <a:off x="1114425" y="1178672"/>
+            <a:off x="3937568" y="1034240"/>
             <a:ext cx="1943100" cy="1200329"/>
           </a:xfrm>
           <a:prstGeom prst="rect">
@@ -7213,7 +7651,7 @@
         </p:nvSpPr>
         <p:spPr>
           <a:xfrm>
-            <a:off x="3385458" y="1178672"/>
+            <a:off x="648381" y="1034240"/>
             <a:ext cx="2728232" cy="646331"/>
           </a:xfrm>
           <a:prstGeom prst="rect">
@@ -7323,7 +7761,7 @@
         </p:nvSpPr>
         <p:spPr>
           <a:xfrm>
-            <a:off x="2568348" y="1178672"/>
+            <a:off x="2855459" y="1182922"/>
             <a:ext cx="653143" cy="468855"/>
           </a:xfrm>
           <a:prstGeom prst="rightArrow">
@@ -7364,7 +7802,7 @@
           <a:bodyPr rtlCol="0" anchor="ctr"/>
           <a:lstStyle/>
           <a:p>
-            <a:pPr algn="ctr"/>
+            <a:pPr marL="0" algn="ctr" defTabSz="914400" rtl="1" eaLnBrk="1" latinLnBrk="0" hangingPunct="1"/>
             <a:endParaRPr lang="en-IL"/>
           </a:p>
         </p:txBody>
@@ -7489,10 +7927,40 @@
           </a:p>
         </p:txBody>
       </p:sp>
+      <p:pic>
+        <p:nvPicPr>
+          <p:cNvPr id="3" name="Picture 2">
+            <a:extLst>
+              <a:ext uri="{FF2B5EF4-FFF2-40B4-BE49-F238E27FC236}">
+                <a16:creationId xmlns:a16="http://schemas.microsoft.com/office/drawing/2014/main" id="{C648471D-0D5B-3B2B-C0F5-57C280BDFF97}"/>
+              </a:ext>
+            </a:extLst>
+          </p:cNvPr>
+          <p:cNvPicPr>
+            <a:picLocks noChangeAspect="1"/>
+          </p:cNvPicPr>
+          <p:nvPr/>
+        </p:nvPicPr>
+        <p:blipFill>
+          <a:blip r:embed="rId2"/>
+          <a:stretch>
+            <a:fillRect/>
+          </a:stretch>
+        </p:blipFill>
+        <p:spPr>
+          <a:xfrm>
+            <a:off x="648155" y="2696342"/>
+            <a:ext cx="8521700" cy="939800"/>
+          </a:xfrm>
+          <a:prstGeom prst="rect">
+            <a:avLst/>
+          </a:prstGeom>
+        </p:spPr>
+      </p:pic>
     </p:spTree>
     <p:extLst>
       <p:ext uri="{BB962C8B-B14F-4D97-AF65-F5344CB8AC3E}">
-        <p14:creationId xmlns:p14="http://schemas.microsoft.com/office/powerpoint/2010/main" val="636349010"/>
+        <p14:creationId xmlns:p14="http://schemas.microsoft.com/office/powerpoint/2010/main" val="3139509841"/>
       </p:ext>
     </p:extLst>
   </p:cSld>
@@ -7521,6 +7989,792 @@
       </p:grpSpPr>
       <p:sp>
         <p:nvSpPr>
+          <p:cNvPr id="4" name="TextBox 3">
+            <a:extLst>
+              <a:ext uri="{FF2B5EF4-FFF2-40B4-BE49-F238E27FC236}">
+                <a16:creationId xmlns:a16="http://schemas.microsoft.com/office/drawing/2014/main" id="{344ED27F-666E-2F4E-9B2D-15E31152E2CB}"/>
+              </a:ext>
+            </a:extLst>
+          </p:cNvPr>
+          <p:cNvSpPr txBox="1"/>
+          <p:nvPr/>
+        </p:nvSpPr>
+        <p:spPr>
+          <a:xfrm>
+            <a:off x="3937568" y="1034240"/>
+            <a:ext cx="1943100" cy="1200329"/>
+          </a:xfrm>
+          <a:prstGeom prst="rect">
+            <a:avLst/>
+          </a:prstGeom>
+          <a:noFill/>
+        </p:spPr>
+        <p:txBody>
+          <a:bodyPr wrap="square" rtlCol="0">
+            <a:spAutoFit/>
+          </a:bodyPr>
+          <a:lstStyle/>
+          <a:p>
+            <a:r>
+              <a:rPr lang="en-US" dirty="0"/>
+              <a:t>A</a:t>
+            </a:r>
+            <a:r>
+              <a:rPr lang="en-IL" dirty="0"/>
+              <a:t>ction </a:t>
+            </a:r>
+          </a:p>
+          <a:p>
+            <a:r>
+              <a:rPr lang="en-US" dirty="0">
+                <a:solidFill>
+                  <a:schemeClr val="bg1">
+                    <a:lumMod val="50000"/>
+                  </a:schemeClr>
+                </a:solidFill>
+              </a:rPr>
+              <a:t>Object that describes what happened</a:t>
+            </a:r>
+            <a:endParaRPr lang="en-IL" dirty="0">
+              <a:solidFill>
+                <a:schemeClr val="bg1">
+                  <a:lumMod val="50000"/>
+                </a:schemeClr>
+              </a:solidFill>
+            </a:endParaRPr>
+          </a:p>
+        </p:txBody>
+      </p:sp>
+      <p:sp>
+        <p:nvSpPr>
+          <p:cNvPr id="5" name="TextBox 4">
+            <a:extLst>
+              <a:ext uri="{FF2B5EF4-FFF2-40B4-BE49-F238E27FC236}">
+                <a16:creationId xmlns:a16="http://schemas.microsoft.com/office/drawing/2014/main" id="{781A9E55-DEAD-C247-821A-BD2983910DE6}"/>
+              </a:ext>
+            </a:extLst>
+          </p:cNvPr>
+          <p:cNvSpPr txBox="1"/>
+          <p:nvPr/>
+        </p:nvSpPr>
+        <p:spPr>
+          <a:xfrm>
+            <a:off x="9792382" y="1178672"/>
+            <a:ext cx="1943100" cy="923330"/>
+          </a:xfrm>
+          <a:prstGeom prst="rect">
+            <a:avLst/>
+          </a:prstGeom>
+          <a:noFill/>
+        </p:spPr>
+        <p:txBody>
+          <a:bodyPr wrap="square" rtlCol="0">
+            <a:spAutoFit/>
+          </a:bodyPr>
+          <a:lstStyle/>
+          <a:p>
+            <a:r>
+              <a:rPr lang="en-US" dirty="0"/>
+              <a:t>Store</a:t>
+            </a:r>
+            <a:endParaRPr lang="en-IL" dirty="0"/>
+          </a:p>
+          <a:p>
+            <a:r>
+              <a:rPr lang="en-US" dirty="0">
+                <a:solidFill>
+                  <a:schemeClr val="bg1">
+                    <a:lumMod val="50000"/>
+                  </a:schemeClr>
+                </a:solidFill>
+              </a:rPr>
+              <a:t>One state tree for all the app</a:t>
+            </a:r>
+            <a:endParaRPr lang="en-IL" dirty="0">
+              <a:solidFill>
+                <a:schemeClr val="bg1">
+                  <a:lumMod val="50000"/>
+                </a:schemeClr>
+              </a:solidFill>
+            </a:endParaRPr>
+          </a:p>
+        </p:txBody>
+      </p:sp>
+      <p:sp>
+        <p:nvSpPr>
+          <p:cNvPr id="6" name="TextBox 5">
+            <a:extLst>
+              <a:ext uri="{FF2B5EF4-FFF2-40B4-BE49-F238E27FC236}">
+                <a16:creationId xmlns:a16="http://schemas.microsoft.com/office/drawing/2014/main" id="{7D00DA27-2F5A-5848-806E-9EF1C24918A1}"/>
+              </a:ext>
+            </a:extLst>
+          </p:cNvPr>
+          <p:cNvSpPr txBox="1"/>
+          <p:nvPr/>
+        </p:nvSpPr>
+        <p:spPr>
+          <a:xfrm>
+            <a:off x="648381" y="1034240"/>
+            <a:ext cx="2728232" cy="646331"/>
+          </a:xfrm>
+          <a:prstGeom prst="rect">
+            <a:avLst/>
+          </a:prstGeom>
+          <a:noFill/>
+        </p:spPr>
+        <p:txBody>
+          <a:bodyPr wrap="square" rtlCol="0">
+            <a:spAutoFit/>
+          </a:bodyPr>
+          <a:lstStyle/>
+          <a:p>
+            <a:r>
+              <a:rPr lang="en-US" dirty="0"/>
+              <a:t>Dispatch(action)</a:t>
+            </a:r>
+            <a:endParaRPr lang="en-IL" dirty="0"/>
+          </a:p>
+          <a:p>
+            <a:r>
+              <a:rPr lang="en-US" dirty="0">
+                <a:solidFill>
+                  <a:schemeClr val="bg1">
+                    <a:lumMod val="50000"/>
+                  </a:schemeClr>
+                </a:solidFill>
+              </a:rPr>
+              <a:t>Send it to the store</a:t>
+            </a:r>
+            <a:endParaRPr lang="en-IL" dirty="0">
+              <a:solidFill>
+                <a:schemeClr val="bg1">
+                  <a:lumMod val="50000"/>
+                </a:schemeClr>
+              </a:solidFill>
+            </a:endParaRPr>
+          </a:p>
+        </p:txBody>
+      </p:sp>
+      <p:sp>
+        <p:nvSpPr>
+          <p:cNvPr id="7" name="TextBox 6">
+            <a:extLst>
+              <a:ext uri="{FF2B5EF4-FFF2-40B4-BE49-F238E27FC236}">
+                <a16:creationId xmlns:a16="http://schemas.microsoft.com/office/drawing/2014/main" id="{8955DDAC-CFCB-AD43-88E6-8FA55A60D786}"/>
+              </a:ext>
+            </a:extLst>
+          </p:cNvPr>
+          <p:cNvSpPr txBox="1"/>
+          <p:nvPr/>
+        </p:nvSpPr>
+        <p:spPr>
+          <a:xfrm>
+            <a:off x="6441623" y="1178672"/>
+            <a:ext cx="2728232" cy="1200329"/>
+          </a:xfrm>
+          <a:prstGeom prst="rect">
+            <a:avLst/>
+          </a:prstGeom>
+          <a:noFill/>
+        </p:spPr>
+        <p:txBody>
+          <a:bodyPr wrap="square" rtlCol="0">
+            <a:spAutoFit/>
+          </a:bodyPr>
+          <a:lstStyle/>
+          <a:p>
+            <a:r>
+              <a:rPr lang="en-US" dirty="0"/>
+              <a:t>reducer(state, action)</a:t>
+            </a:r>
+            <a:endParaRPr lang="en-IL" dirty="0"/>
+          </a:p>
+          <a:p>
+            <a:r>
+              <a:rPr lang="en-US" dirty="0">
+                <a:solidFill>
+                  <a:schemeClr val="bg1">
+                    <a:lumMod val="50000"/>
+                  </a:schemeClr>
+                </a:solidFill>
+              </a:rPr>
+              <a:t> functions that calculate a new state based on the old state and the action</a:t>
+            </a:r>
+            <a:endParaRPr lang="en-IL" dirty="0">
+              <a:solidFill>
+                <a:schemeClr val="bg1">
+                  <a:lumMod val="50000"/>
+                </a:schemeClr>
+              </a:solidFill>
+            </a:endParaRPr>
+          </a:p>
+        </p:txBody>
+      </p:sp>
+      <p:sp>
+        <p:nvSpPr>
+          <p:cNvPr id="8" name="Right Arrow 7">
+            <a:extLst>
+              <a:ext uri="{FF2B5EF4-FFF2-40B4-BE49-F238E27FC236}">
+                <a16:creationId xmlns:a16="http://schemas.microsoft.com/office/drawing/2014/main" id="{27223A7F-CCD8-9643-9197-DF0466B70821}"/>
+              </a:ext>
+            </a:extLst>
+          </p:cNvPr>
+          <p:cNvSpPr/>
+          <p:nvPr/>
+        </p:nvSpPr>
+        <p:spPr>
+          <a:xfrm>
+            <a:off x="2855459" y="1182922"/>
+            <a:ext cx="653143" cy="468855"/>
+          </a:xfrm>
+          <a:prstGeom prst="rightArrow">
+            <a:avLst/>
+          </a:prstGeom>
+          <a:solidFill>
+            <a:schemeClr val="accent1">
+              <a:lumMod val="40000"/>
+              <a:lumOff val="60000"/>
+            </a:schemeClr>
+          </a:solidFill>
+          <a:ln>
+            <a:solidFill>
+              <a:schemeClr val="accent1">
+                <a:lumMod val="40000"/>
+                <a:lumOff val="60000"/>
+              </a:schemeClr>
+            </a:solidFill>
+          </a:ln>
+        </p:spPr>
+        <p:style>
+          <a:lnRef idx="2">
+            <a:schemeClr val="accent1">
+              <a:shade val="50000"/>
+            </a:schemeClr>
+          </a:lnRef>
+          <a:fillRef idx="1">
+            <a:schemeClr val="accent1"/>
+          </a:fillRef>
+          <a:effectRef idx="0">
+            <a:schemeClr val="accent1"/>
+          </a:effectRef>
+          <a:fontRef idx="minor">
+            <a:schemeClr val="lt1"/>
+          </a:fontRef>
+        </p:style>
+        <p:txBody>
+          <a:bodyPr rtlCol="0" anchor="ctr"/>
+          <a:lstStyle/>
+          <a:p>
+            <a:pPr marL="0" algn="ctr" defTabSz="914400" rtl="1" eaLnBrk="1" latinLnBrk="0" hangingPunct="1"/>
+            <a:endParaRPr lang="en-IL"/>
+          </a:p>
+        </p:txBody>
+      </p:sp>
+      <p:sp>
+        <p:nvSpPr>
+          <p:cNvPr id="9" name="Right Arrow 8">
+            <a:extLst>
+              <a:ext uri="{FF2B5EF4-FFF2-40B4-BE49-F238E27FC236}">
+                <a16:creationId xmlns:a16="http://schemas.microsoft.com/office/drawing/2014/main" id="{46BC6ADD-6F41-C541-9A6B-5AE6897F6E82}"/>
+              </a:ext>
+            </a:extLst>
+          </p:cNvPr>
+          <p:cNvSpPr/>
+          <p:nvPr/>
+        </p:nvSpPr>
+        <p:spPr>
+          <a:xfrm>
+            <a:off x="5460547" y="1178672"/>
+            <a:ext cx="653143" cy="468855"/>
+          </a:xfrm>
+          <a:prstGeom prst="rightArrow">
+            <a:avLst/>
+          </a:prstGeom>
+          <a:solidFill>
+            <a:schemeClr val="accent1">
+              <a:lumMod val="40000"/>
+              <a:lumOff val="60000"/>
+            </a:schemeClr>
+          </a:solidFill>
+          <a:ln>
+            <a:solidFill>
+              <a:schemeClr val="accent1">
+                <a:lumMod val="40000"/>
+                <a:lumOff val="60000"/>
+              </a:schemeClr>
+            </a:solidFill>
+          </a:ln>
+        </p:spPr>
+        <p:style>
+          <a:lnRef idx="2">
+            <a:schemeClr val="accent1">
+              <a:shade val="50000"/>
+            </a:schemeClr>
+          </a:lnRef>
+          <a:fillRef idx="1">
+            <a:schemeClr val="accent1"/>
+          </a:fillRef>
+          <a:effectRef idx="0">
+            <a:schemeClr val="accent1"/>
+          </a:effectRef>
+          <a:fontRef idx="minor">
+            <a:schemeClr val="lt1"/>
+          </a:fontRef>
+        </p:style>
+        <p:txBody>
+          <a:bodyPr rtlCol="0" anchor="ctr"/>
+          <a:lstStyle/>
+          <a:p>
+            <a:pPr algn="ctr"/>
+            <a:endParaRPr lang="en-IL"/>
+          </a:p>
+        </p:txBody>
+      </p:sp>
+      <p:sp>
+        <p:nvSpPr>
+          <p:cNvPr id="10" name="Right Arrow 9">
+            <a:extLst>
+              <a:ext uri="{FF2B5EF4-FFF2-40B4-BE49-F238E27FC236}">
+                <a16:creationId xmlns:a16="http://schemas.microsoft.com/office/drawing/2014/main" id="{DACBC55E-26A3-C849-8F06-F8926B2FD016}"/>
+              </a:ext>
+            </a:extLst>
+          </p:cNvPr>
+          <p:cNvSpPr/>
+          <p:nvPr/>
+        </p:nvSpPr>
+        <p:spPr>
+          <a:xfrm>
+            <a:off x="9007250" y="1178672"/>
+            <a:ext cx="653143" cy="468855"/>
+          </a:xfrm>
+          <a:prstGeom prst="rightArrow">
+            <a:avLst/>
+          </a:prstGeom>
+          <a:solidFill>
+            <a:schemeClr val="accent1">
+              <a:lumMod val="40000"/>
+              <a:lumOff val="60000"/>
+            </a:schemeClr>
+          </a:solidFill>
+          <a:ln>
+            <a:solidFill>
+              <a:schemeClr val="accent1">
+                <a:lumMod val="40000"/>
+                <a:lumOff val="60000"/>
+              </a:schemeClr>
+            </a:solidFill>
+          </a:ln>
+        </p:spPr>
+        <p:style>
+          <a:lnRef idx="2">
+            <a:schemeClr val="accent1">
+              <a:shade val="50000"/>
+            </a:schemeClr>
+          </a:lnRef>
+          <a:fillRef idx="1">
+            <a:schemeClr val="accent1"/>
+          </a:fillRef>
+          <a:effectRef idx="0">
+            <a:schemeClr val="accent1"/>
+          </a:effectRef>
+          <a:fontRef idx="minor">
+            <a:schemeClr val="lt1"/>
+          </a:fontRef>
+        </p:style>
+        <p:txBody>
+          <a:bodyPr rtlCol="0" anchor="ctr"/>
+          <a:lstStyle/>
+          <a:p>
+            <a:pPr algn="ctr"/>
+            <a:endParaRPr lang="en-IL"/>
+          </a:p>
+        </p:txBody>
+      </p:sp>
+      <p:pic>
+        <p:nvPicPr>
+          <p:cNvPr id="3" name="Picture 2">
+            <a:extLst>
+              <a:ext uri="{FF2B5EF4-FFF2-40B4-BE49-F238E27FC236}">
+                <a16:creationId xmlns:a16="http://schemas.microsoft.com/office/drawing/2014/main" id="{C648471D-0D5B-3B2B-C0F5-57C280BDFF97}"/>
+              </a:ext>
+            </a:extLst>
+          </p:cNvPr>
+          <p:cNvPicPr>
+            <a:picLocks noChangeAspect="1"/>
+          </p:cNvPicPr>
+          <p:nvPr/>
+        </p:nvPicPr>
+        <p:blipFill>
+          <a:blip r:embed="rId2"/>
+          <a:stretch>
+            <a:fillRect/>
+          </a:stretch>
+        </p:blipFill>
+        <p:spPr>
+          <a:xfrm>
+            <a:off x="196210" y="2607867"/>
+            <a:ext cx="4251372" cy="468855"/>
+          </a:xfrm>
+          <a:prstGeom prst="rect">
+            <a:avLst/>
+          </a:prstGeom>
+        </p:spPr>
+      </p:pic>
+      <p:pic>
+        <p:nvPicPr>
+          <p:cNvPr id="13" name="Picture 12" descr="Text&#10;&#10;Description automatically generated">
+            <a:extLst>
+              <a:ext uri="{FF2B5EF4-FFF2-40B4-BE49-F238E27FC236}">
+                <a16:creationId xmlns:a16="http://schemas.microsoft.com/office/drawing/2014/main" id="{3D7F8252-25F1-147B-6486-27C6B3D0E9A4}"/>
+              </a:ext>
+            </a:extLst>
+          </p:cNvPr>
+          <p:cNvPicPr>
+            <a:picLocks noChangeAspect="1"/>
+          </p:cNvPicPr>
+          <p:nvPr/>
+        </p:nvPicPr>
+        <p:blipFill>
+          <a:blip r:embed="rId3"/>
+          <a:stretch>
+            <a:fillRect/>
+          </a:stretch>
+        </p:blipFill>
+        <p:spPr>
+          <a:xfrm>
+            <a:off x="4582510" y="2413546"/>
+            <a:ext cx="6472840" cy="4342853"/>
+          </a:xfrm>
+          <a:prstGeom prst="rect">
+            <a:avLst/>
+          </a:prstGeom>
+        </p:spPr>
+      </p:pic>
+      <p:sp>
+        <p:nvSpPr>
+          <p:cNvPr id="2" name="Rectangle 1">
+            <a:extLst>
+              <a:ext uri="{FF2B5EF4-FFF2-40B4-BE49-F238E27FC236}">
+                <a16:creationId xmlns:a16="http://schemas.microsoft.com/office/drawing/2014/main" id="{6B9E52D1-263F-4646-EE32-1DACAF513238}"/>
+              </a:ext>
+            </a:extLst>
+          </p:cNvPr>
+          <p:cNvSpPr/>
+          <p:nvPr/>
+        </p:nvSpPr>
+        <p:spPr>
+          <a:xfrm>
+            <a:off x="5002924" y="3321269"/>
+            <a:ext cx="4981904" cy="725214"/>
+          </a:xfrm>
+          <a:prstGeom prst="rect">
+            <a:avLst/>
+          </a:prstGeom>
+          <a:noFill/>
+          <a:ln>
+            <a:solidFill>
+              <a:schemeClr val="bg1"/>
+            </a:solidFill>
+          </a:ln>
+        </p:spPr>
+        <p:style>
+          <a:lnRef idx="2">
+            <a:schemeClr val="accent1">
+              <a:shade val="50000"/>
+            </a:schemeClr>
+          </a:lnRef>
+          <a:fillRef idx="1">
+            <a:schemeClr val="accent1"/>
+          </a:fillRef>
+          <a:effectRef idx="0">
+            <a:schemeClr val="accent1"/>
+          </a:effectRef>
+          <a:fontRef idx="minor">
+            <a:schemeClr val="lt1"/>
+          </a:fontRef>
+        </p:style>
+        <p:txBody>
+          <a:bodyPr rtlCol="0" anchor="ctr"/>
+          <a:lstStyle/>
+          <a:p>
+            <a:pPr marL="0" algn="ctr" defTabSz="914400" rtl="1" eaLnBrk="1" latinLnBrk="0" hangingPunct="1"/>
+            <a:endParaRPr lang="en-IL"/>
+          </a:p>
+        </p:txBody>
+      </p:sp>
+      <p:sp>
+        <p:nvSpPr>
+          <p:cNvPr id="11" name="Rectangle 10">
+            <a:extLst>
+              <a:ext uri="{FF2B5EF4-FFF2-40B4-BE49-F238E27FC236}">
+                <a16:creationId xmlns:a16="http://schemas.microsoft.com/office/drawing/2014/main" id="{368FD58F-0DB4-B2C0-50DB-0E839B896B69}"/>
+              </a:ext>
+            </a:extLst>
+          </p:cNvPr>
+          <p:cNvSpPr/>
+          <p:nvPr/>
+        </p:nvSpPr>
+        <p:spPr>
+          <a:xfrm>
+            <a:off x="5129048" y="3859758"/>
+            <a:ext cx="4740165" cy="2120628"/>
+          </a:xfrm>
+          <a:prstGeom prst="rect">
+            <a:avLst/>
+          </a:prstGeom>
+          <a:noFill/>
+          <a:ln>
+            <a:solidFill>
+              <a:schemeClr val="bg1"/>
+            </a:solidFill>
+          </a:ln>
+        </p:spPr>
+        <p:style>
+          <a:lnRef idx="2">
+            <a:schemeClr val="accent1">
+              <a:shade val="50000"/>
+            </a:schemeClr>
+          </a:lnRef>
+          <a:fillRef idx="1">
+            <a:schemeClr val="accent1"/>
+          </a:fillRef>
+          <a:effectRef idx="0">
+            <a:schemeClr val="accent1"/>
+          </a:effectRef>
+          <a:fontRef idx="minor">
+            <a:schemeClr val="lt1"/>
+          </a:fontRef>
+        </p:style>
+        <p:txBody>
+          <a:bodyPr rtlCol="0" anchor="ctr"/>
+          <a:lstStyle/>
+          <a:p>
+            <a:pPr marL="0" algn="ctr" defTabSz="914400" rtl="1" eaLnBrk="1" latinLnBrk="0" hangingPunct="1"/>
+            <a:endParaRPr lang="en-IL"/>
+          </a:p>
+        </p:txBody>
+      </p:sp>
+      <p:sp>
+        <p:nvSpPr>
+          <p:cNvPr id="12" name="Line Callout 1 11">
+            <a:extLst>
+              <a:ext uri="{FF2B5EF4-FFF2-40B4-BE49-F238E27FC236}">
+                <a16:creationId xmlns:a16="http://schemas.microsoft.com/office/drawing/2014/main" id="{74152E27-D1B8-8F30-7B3D-327071F91020}"/>
+              </a:ext>
+            </a:extLst>
+          </p:cNvPr>
+          <p:cNvSpPr/>
+          <p:nvPr/>
+        </p:nvSpPr>
+        <p:spPr>
+          <a:xfrm>
+            <a:off x="1933903" y="4477407"/>
+            <a:ext cx="819807" cy="620110"/>
+          </a:xfrm>
+          <a:prstGeom prst="borderCallout1">
+            <a:avLst>
+              <a:gd name="adj1" fmla="val 34004"/>
+              <a:gd name="adj2" fmla="val 100641"/>
+              <a:gd name="adj3" fmla="val -145127"/>
+              <a:gd name="adj4" fmla="val 373205"/>
+            </a:avLst>
+          </a:prstGeom>
+          <a:ln>
+            <a:solidFill>
+              <a:schemeClr val="accent4">
+                <a:lumMod val="60000"/>
+                <a:lumOff val="40000"/>
+              </a:schemeClr>
+            </a:solidFill>
+          </a:ln>
+        </p:spPr>
+        <p:style>
+          <a:lnRef idx="2">
+            <a:schemeClr val="accent1">
+              <a:shade val="50000"/>
+            </a:schemeClr>
+          </a:lnRef>
+          <a:fillRef idx="1">
+            <a:schemeClr val="accent1"/>
+          </a:fillRef>
+          <a:effectRef idx="0">
+            <a:schemeClr val="accent1"/>
+          </a:effectRef>
+          <a:fontRef idx="minor">
+            <a:schemeClr val="lt1"/>
+          </a:fontRef>
+        </p:style>
+        <p:txBody>
+          <a:bodyPr rtlCol="0" anchor="ctr"/>
+          <a:lstStyle/>
+          <a:p>
+            <a:pPr marL="0" algn="ctr" defTabSz="914400" rtl="1" eaLnBrk="1" latinLnBrk="0" hangingPunct="1"/>
+            <a:r>
+              <a:rPr lang="en-US" dirty="0"/>
+              <a:t>action</a:t>
+            </a:r>
+            <a:endParaRPr lang="en-IL" dirty="0"/>
+          </a:p>
+        </p:txBody>
+      </p:sp>
+      <p:sp>
+        <p:nvSpPr>
+          <p:cNvPr id="14" name="Line Callout 1 13">
+            <a:extLst>
+              <a:ext uri="{FF2B5EF4-FFF2-40B4-BE49-F238E27FC236}">
+                <a16:creationId xmlns:a16="http://schemas.microsoft.com/office/drawing/2014/main" id="{D7B30229-3BEE-DC37-8258-3ABAE59E4693}"/>
+              </a:ext>
+            </a:extLst>
+          </p:cNvPr>
+          <p:cNvSpPr/>
+          <p:nvPr/>
+        </p:nvSpPr>
+        <p:spPr>
+          <a:xfrm>
+            <a:off x="316843" y="4167352"/>
+            <a:ext cx="975929" cy="620110"/>
+          </a:xfrm>
+          <a:prstGeom prst="borderCallout1">
+            <a:avLst>
+              <a:gd name="adj1" fmla="val 34004"/>
+              <a:gd name="adj2" fmla="val 100641"/>
+              <a:gd name="adj3" fmla="val -190890"/>
+              <a:gd name="adj4" fmla="val 102692"/>
+            </a:avLst>
+          </a:prstGeom>
+          <a:ln>
+            <a:solidFill>
+              <a:schemeClr val="accent4">
+                <a:lumMod val="60000"/>
+                <a:lumOff val="40000"/>
+              </a:schemeClr>
+            </a:solidFill>
+          </a:ln>
+        </p:spPr>
+        <p:style>
+          <a:lnRef idx="2">
+            <a:schemeClr val="accent1">
+              <a:shade val="50000"/>
+            </a:schemeClr>
+          </a:lnRef>
+          <a:fillRef idx="1">
+            <a:schemeClr val="accent1"/>
+          </a:fillRef>
+          <a:effectRef idx="0">
+            <a:schemeClr val="accent1"/>
+          </a:effectRef>
+          <a:fontRef idx="minor">
+            <a:schemeClr val="lt1"/>
+          </a:fontRef>
+        </p:style>
+        <p:txBody>
+          <a:bodyPr rtlCol="0" anchor="ctr"/>
+          <a:lstStyle/>
+          <a:p>
+            <a:pPr marL="0" algn="ctr" defTabSz="914400" rtl="1" eaLnBrk="1" latinLnBrk="0" hangingPunct="1"/>
+            <a:r>
+              <a:rPr lang="en-US" dirty="0"/>
+              <a:t>dispatch</a:t>
+            </a:r>
+            <a:endParaRPr lang="en-IL" dirty="0"/>
+          </a:p>
+        </p:txBody>
+      </p:sp>
+      <p:sp>
+        <p:nvSpPr>
+          <p:cNvPr id="15" name="Line Callout 1 14">
+            <a:extLst>
+              <a:ext uri="{FF2B5EF4-FFF2-40B4-BE49-F238E27FC236}">
+                <a16:creationId xmlns:a16="http://schemas.microsoft.com/office/drawing/2014/main" id="{98A1CD23-51FC-4811-9DE4-65E766DDA20F}"/>
+              </a:ext>
+            </a:extLst>
+          </p:cNvPr>
+          <p:cNvSpPr/>
+          <p:nvPr/>
+        </p:nvSpPr>
+        <p:spPr>
+          <a:xfrm>
+            <a:off x="1524000" y="5663930"/>
+            <a:ext cx="1207799" cy="468856"/>
+          </a:xfrm>
+          <a:prstGeom prst="borderCallout1">
+            <a:avLst>
+              <a:gd name="adj1" fmla="val 34004"/>
+              <a:gd name="adj2" fmla="val 100641"/>
+              <a:gd name="adj3" fmla="val -120468"/>
+              <a:gd name="adj4" fmla="val 295757"/>
+            </a:avLst>
+          </a:prstGeom>
+          <a:ln>
+            <a:solidFill>
+              <a:schemeClr val="accent4">
+                <a:lumMod val="60000"/>
+                <a:lumOff val="40000"/>
+              </a:schemeClr>
+            </a:solidFill>
+          </a:ln>
+        </p:spPr>
+        <p:style>
+          <a:lnRef idx="2">
+            <a:schemeClr val="accent1">
+              <a:shade val="50000"/>
+            </a:schemeClr>
+          </a:lnRef>
+          <a:fillRef idx="1">
+            <a:schemeClr val="accent1"/>
+          </a:fillRef>
+          <a:effectRef idx="0">
+            <a:schemeClr val="accent1"/>
+          </a:effectRef>
+          <a:fontRef idx="minor">
+            <a:schemeClr val="lt1"/>
+          </a:fontRef>
+        </p:style>
+        <p:txBody>
+          <a:bodyPr rtlCol="0" anchor="ctr"/>
+          <a:lstStyle/>
+          <a:p>
+            <a:pPr marL="0" algn="ctr" defTabSz="914400" rtl="1" eaLnBrk="1" latinLnBrk="0" hangingPunct="1"/>
+            <a:r>
+              <a:rPr lang="en-US" dirty="0"/>
+              <a:t>reducer</a:t>
+            </a:r>
+            <a:endParaRPr lang="en-IL" dirty="0"/>
+          </a:p>
+        </p:txBody>
+      </p:sp>
+    </p:spTree>
+    <p:extLst>
+      <p:ext uri="{BB962C8B-B14F-4D97-AF65-F5344CB8AC3E}">
+        <p14:creationId xmlns:p14="http://schemas.microsoft.com/office/powerpoint/2010/main" val="3417234273"/>
+      </p:ext>
+    </p:extLst>
+  </p:cSld>
+  <p:clrMapOvr>
+    <a:masterClrMapping/>
+  </p:clrMapOvr>
+</p:sld>
+</file>
+
+<file path=ppt/slides/slide16.xml><?xml version="1.0" encoding="utf-8"?>
+<p:sld xmlns:a="http://schemas.openxmlformats.org/drawingml/2006/main" xmlns:r="http://schemas.openxmlformats.org/officeDocument/2006/relationships" xmlns:p="http://schemas.openxmlformats.org/presentationml/2006/main" show="0">
+  <p:cSld>
+    <p:spTree>
+      <p:nvGrpSpPr>
+        <p:cNvPr id="1" name=""/>
+        <p:cNvGrpSpPr/>
+        <p:nvPr/>
+      </p:nvGrpSpPr>
+      <p:grpSpPr>
+        <a:xfrm>
+          <a:off x="0" y="0"/>
+          <a:ext cx="0" cy="0"/>
+          <a:chOff x="0" y="0"/>
+          <a:chExt cx="0" cy="0"/>
+        </a:xfrm>
+      </p:grpSpPr>
+      <p:sp>
+        <p:nvSpPr>
           <p:cNvPr id="2" name="Title 1">
             <a:extLst>
               <a:ext uri="{FF2B5EF4-FFF2-40B4-BE49-F238E27FC236}">
@@ -7586,8 +8840,8 @@
 </p:sld>
 </file>
 
-<file path=ppt/slides/slide16.xml><?xml version="1.0" encoding="utf-8"?>
-<p:sld xmlns:a="http://schemas.openxmlformats.org/drawingml/2006/main" xmlns:r="http://schemas.openxmlformats.org/officeDocument/2006/relationships" xmlns:p="http://schemas.openxmlformats.org/presentationml/2006/main">
+<file path=ppt/slides/slide17.xml><?xml version="1.0" encoding="utf-8"?>
+<p:sld xmlns:a="http://schemas.openxmlformats.org/drawingml/2006/main" xmlns:r="http://schemas.openxmlformats.org/officeDocument/2006/relationships" xmlns:p="http://schemas.openxmlformats.org/presentationml/2006/main" show="0">
   <p:cSld>
     <p:spTree>
       <p:nvGrpSpPr>
@@ -7862,8 +9116,8 @@
 </p:sld>
 </file>
 
-<file path=ppt/slides/slide17.xml><?xml version="1.0" encoding="utf-8"?>
-<p:sld xmlns:a="http://schemas.openxmlformats.org/drawingml/2006/main" xmlns:r="http://schemas.openxmlformats.org/officeDocument/2006/relationships" xmlns:p="http://schemas.openxmlformats.org/presentationml/2006/main">
+<file path=ppt/slides/slide18.xml><?xml version="1.0" encoding="utf-8"?>
+<p:sld xmlns:a="http://schemas.openxmlformats.org/drawingml/2006/main" xmlns:r="http://schemas.openxmlformats.org/officeDocument/2006/relationships" xmlns:p="http://schemas.openxmlformats.org/presentationml/2006/main" show="0">
   <p:cSld>
     <p:spTree>
       <p:nvGrpSpPr>
@@ -7946,8 +9200,8 @@
 </p:sld>
 </file>
 
-<file path=ppt/slides/slide18.xml><?xml version="1.0" encoding="utf-8"?>
-<p:sld xmlns:a="http://schemas.openxmlformats.org/drawingml/2006/main" xmlns:r="http://schemas.openxmlformats.org/officeDocument/2006/relationships" xmlns:p="http://schemas.openxmlformats.org/presentationml/2006/main">
+<file path=ppt/slides/slide19.xml><?xml version="1.0" encoding="utf-8"?>
+<p:sld xmlns:a="http://schemas.openxmlformats.org/drawingml/2006/main" xmlns:r="http://schemas.openxmlformats.org/officeDocument/2006/relationships" xmlns:p="http://schemas.openxmlformats.org/presentationml/2006/main" show="0">
   <p:cSld>
     <p:spTree>
       <p:nvGrpSpPr>
@@ -8021,90 +9275,6 @@
     <p:extLst>
       <p:ext uri="{BB962C8B-B14F-4D97-AF65-F5344CB8AC3E}">
         <p14:creationId xmlns:p14="http://schemas.microsoft.com/office/powerpoint/2010/main" val="1717872210"/>
-      </p:ext>
-    </p:extLst>
-  </p:cSld>
-  <p:clrMapOvr>
-    <a:masterClrMapping/>
-  </p:clrMapOvr>
-</p:sld>
-</file>
-
-<file path=ppt/slides/slide19.xml><?xml version="1.0" encoding="utf-8"?>
-<p:sld xmlns:a="http://schemas.openxmlformats.org/drawingml/2006/main" xmlns:r="http://schemas.openxmlformats.org/officeDocument/2006/relationships" xmlns:p="http://schemas.openxmlformats.org/presentationml/2006/main">
-  <p:cSld>
-    <p:spTree>
-      <p:nvGrpSpPr>
-        <p:cNvPr id="1" name=""/>
-        <p:cNvGrpSpPr/>
-        <p:nvPr/>
-      </p:nvGrpSpPr>
-      <p:grpSpPr>
-        <a:xfrm>
-          <a:off x="0" y="0"/>
-          <a:ext cx="0" cy="0"/>
-          <a:chOff x="0" y="0"/>
-          <a:chExt cx="0" cy="0"/>
-        </a:xfrm>
-      </p:grpSpPr>
-      <p:sp>
-        <p:nvSpPr>
-          <p:cNvPr id="2" name="Title 1">
-            <a:extLst>
-              <a:ext uri="{FF2B5EF4-FFF2-40B4-BE49-F238E27FC236}">
-                <a16:creationId xmlns:a16="http://schemas.microsoft.com/office/drawing/2014/main" id="{A13FFEB6-2769-E14A-BBDD-E93B160EDBC0}"/>
-              </a:ext>
-            </a:extLst>
-          </p:cNvPr>
-          <p:cNvSpPr>
-            <a:spLocks noGrp="1"/>
-          </p:cNvSpPr>
-          <p:nvPr>
-            <p:ph type="title"/>
-          </p:nvPr>
-        </p:nvSpPr>
-        <p:spPr/>
-        <p:txBody>
-          <a:bodyPr/>
-          <a:lstStyle/>
-          <a:p>
-            <a:endParaRPr lang="en-IL"/>
-          </a:p>
-        </p:txBody>
-      </p:sp>
-      <p:pic>
-        <p:nvPicPr>
-          <p:cNvPr id="5" name="Content Placeholder 4" descr="Text&#10;&#10;Description automatically generated">
-            <a:extLst>
-              <a:ext uri="{FF2B5EF4-FFF2-40B4-BE49-F238E27FC236}">
-                <a16:creationId xmlns:a16="http://schemas.microsoft.com/office/drawing/2014/main" id="{02560BA1-A849-5344-9228-A53C5952B28E}"/>
-              </a:ext>
-            </a:extLst>
-          </p:cNvPr>
-          <p:cNvPicPr>
-            <a:picLocks noGrp="1" noChangeAspect="1"/>
-          </p:cNvPicPr>
-          <p:nvPr>
-            <p:ph idx="1"/>
-          </p:nvPr>
-        </p:nvPicPr>
-        <p:blipFill>
-          <a:blip r:embed="rId2"/>
-          <a:stretch>
-            <a:fillRect/>
-          </a:stretch>
-        </p:blipFill>
-        <p:spPr>
-          <a:xfrm>
-            <a:off x="264563" y="0"/>
-            <a:ext cx="11359463" cy="6858000"/>
-          </a:xfrm>
-        </p:spPr>
-      </p:pic>
-    </p:spTree>
-    <p:extLst>
-      <p:ext uri="{BB962C8B-B14F-4D97-AF65-F5344CB8AC3E}">
-        <p14:creationId xmlns:p14="http://schemas.microsoft.com/office/powerpoint/2010/main" val="2787986270"/>
       </p:ext>
     </p:extLst>
   </p:cSld>
@@ -9569,7 +10739,7 @@
 </file>
 
 <file path=ppt/slides/slide20.xml><?xml version="1.0" encoding="utf-8"?>
-<p:sld xmlns:a="http://schemas.openxmlformats.org/drawingml/2006/main" xmlns:r="http://schemas.openxmlformats.org/officeDocument/2006/relationships" xmlns:p="http://schemas.openxmlformats.org/presentationml/2006/main">
+<p:sld xmlns:a="http://schemas.openxmlformats.org/drawingml/2006/main" xmlns:r="http://schemas.openxmlformats.org/officeDocument/2006/relationships" xmlns:p="http://schemas.openxmlformats.org/presentationml/2006/main" show="0">
   <p:cSld>
     <p:spTree>
       <p:nvGrpSpPr>
@@ -9590,7 +10760,7 @@
           <p:cNvPr id="2" name="Title 1">
             <a:extLst>
               <a:ext uri="{FF2B5EF4-FFF2-40B4-BE49-F238E27FC236}">
-                <a16:creationId xmlns:a16="http://schemas.microsoft.com/office/drawing/2014/main" id="{26D77197-4FF0-AA45-826D-A44F18891C5A}"/>
+                <a16:creationId xmlns:a16="http://schemas.microsoft.com/office/drawing/2014/main" id="{A13FFEB6-2769-E14A-BBDD-E93B160EDBC0}"/>
               </a:ext>
             </a:extLst>
           </p:cNvPr>
@@ -9615,7 +10785,7 @@
           <p:cNvPr id="5" name="Content Placeholder 4" descr="Text&#10;&#10;Description automatically generated">
             <a:extLst>
               <a:ext uri="{FF2B5EF4-FFF2-40B4-BE49-F238E27FC236}">
-                <a16:creationId xmlns:a16="http://schemas.microsoft.com/office/drawing/2014/main" id="{42C5D564-F68A-B44F-811C-3156BCACDF94}"/>
+                <a16:creationId xmlns:a16="http://schemas.microsoft.com/office/drawing/2014/main" id="{02560BA1-A849-5344-9228-A53C5952B28E}"/>
               </a:ext>
             </a:extLst>
           </p:cNvPr>
@@ -9634,15 +10804,15 @@
         </p:blipFill>
         <p:spPr>
           <a:xfrm>
-            <a:off x="1802194" y="0"/>
-            <a:ext cx="8415765" cy="6879843"/>
+            <a:off x="264563" y="0"/>
+            <a:ext cx="11359463" cy="6858000"/>
           </a:xfrm>
         </p:spPr>
       </p:pic>
     </p:spTree>
     <p:extLst>
       <p:ext uri="{BB962C8B-B14F-4D97-AF65-F5344CB8AC3E}">
-        <p14:creationId xmlns:p14="http://schemas.microsoft.com/office/powerpoint/2010/main" val="2613051861"/>
+        <p14:creationId xmlns:p14="http://schemas.microsoft.com/office/powerpoint/2010/main" val="2787986270"/>
       </p:ext>
     </p:extLst>
   </p:cSld>
@@ -9653,7 +10823,7 @@
 </file>
 
 <file path=ppt/slides/slide21.xml><?xml version="1.0" encoding="utf-8"?>
-<p:sld xmlns:a="http://schemas.openxmlformats.org/drawingml/2006/main" xmlns:r="http://schemas.openxmlformats.org/officeDocument/2006/relationships" xmlns:p="http://schemas.openxmlformats.org/presentationml/2006/main">
+<p:sld xmlns:a="http://schemas.openxmlformats.org/drawingml/2006/main" xmlns:r="http://schemas.openxmlformats.org/officeDocument/2006/relationships" xmlns:p="http://schemas.openxmlformats.org/presentationml/2006/main" show="0">
   <p:cSld>
     <p:spTree>
       <p:nvGrpSpPr>
@@ -9696,10 +10866,10 @@
       </p:sp>
       <p:pic>
         <p:nvPicPr>
-          <p:cNvPr id="9" name="Content Placeholder 8" descr="Text&#10;&#10;Description automatically generated">
-            <a:extLst>
-              <a:ext uri="{FF2B5EF4-FFF2-40B4-BE49-F238E27FC236}">
-                <a16:creationId xmlns:a16="http://schemas.microsoft.com/office/drawing/2014/main" id="{F41382A2-3864-4140-B5A6-5F402F8BBB41}"/>
+          <p:cNvPr id="5" name="Content Placeholder 4" descr="Text&#10;&#10;Description automatically generated">
+            <a:extLst>
+              <a:ext uri="{FF2B5EF4-FFF2-40B4-BE49-F238E27FC236}">
+                <a16:creationId xmlns:a16="http://schemas.microsoft.com/office/drawing/2014/main" id="{42C5D564-F68A-B44F-811C-3156BCACDF94}"/>
               </a:ext>
             </a:extLst>
           </p:cNvPr>
@@ -9718,6 +10888,90 @@
         </p:blipFill>
         <p:spPr>
           <a:xfrm>
+            <a:off x="1802194" y="0"/>
+            <a:ext cx="8415765" cy="6879843"/>
+          </a:xfrm>
+        </p:spPr>
+      </p:pic>
+    </p:spTree>
+    <p:extLst>
+      <p:ext uri="{BB962C8B-B14F-4D97-AF65-F5344CB8AC3E}">
+        <p14:creationId xmlns:p14="http://schemas.microsoft.com/office/powerpoint/2010/main" val="2613051861"/>
+      </p:ext>
+    </p:extLst>
+  </p:cSld>
+  <p:clrMapOvr>
+    <a:masterClrMapping/>
+  </p:clrMapOvr>
+</p:sld>
+</file>
+
+<file path=ppt/slides/slide22.xml><?xml version="1.0" encoding="utf-8"?>
+<p:sld xmlns:a="http://schemas.openxmlformats.org/drawingml/2006/main" xmlns:r="http://schemas.openxmlformats.org/officeDocument/2006/relationships" xmlns:p="http://schemas.openxmlformats.org/presentationml/2006/main" show="0">
+  <p:cSld>
+    <p:spTree>
+      <p:nvGrpSpPr>
+        <p:cNvPr id="1" name=""/>
+        <p:cNvGrpSpPr/>
+        <p:nvPr/>
+      </p:nvGrpSpPr>
+      <p:grpSpPr>
+        <a:xfrm>
+          <a:off x="0" y="0"/>
+          <a:ext cx="0" cy="0"/>
+          <a:chOff x="0" y="0"/>
+          <a:chExt cx="0" cy="0"/>
+        </a:xfrm>
+      </p:grpSpPr>
+      <p:sp>
+        <p:nvSpPr>
+          <p:cNvPr id="2" name="Title 1">
+            <a:extLst>
+              <a:ext uri="{FF2B5EF4-FFF2-40B4-BE49-F238E27FC236}">
+                <a16:creationId xmlns:a16="http://schemas.microsoft.com/office/drawing/2014/main" id="{26D77197-4FF0-AA45-826D-A44F18891C5A}"/>
+              </a:ext>
+            </a:extLst>
+          </p:cNvPr>
+          <p:cNvSpPr>
+            <a:spLocks noGrp="1"/>
+          </p:cNvSpPr>
+          <p:nvPr>
+            <p:ph type="title"/>
+          </p:nvPr>
+        </p:nvSpPr>
+        <p:spPr/>
+        <p:txBody>
+          <a:bodyPr/>
+          <a:lstStyle/>
+          <a:p>
+            <a:endParaRPr lang="en-IL"/>
+          </a:p>
+        </p:txBody>
+      </p:sp>
+      <p:pic>
+        <p:nvPicPr>
+          <p:cNvPr id="9" name="Content Placeholder 8" descr="Text&#10;&#10;Description automatically generated">
+            <a:extLst>
+              <a:ext uri="{FF2B5EF4-FFF2-40B4-BE49-F238E27FC236}">
+                <a16:creationId xmlns:a16="http://schemas.microsoft.com/office/drawing/2014/main" id="{F41382A2-3864-4140-B5A6-5F402F8BBB41}"/>
+              </a:ext>
+            </a:extLst>
+          </p:cNvPr>
+          <p:cNvPicPr>
+            <a:picLocks noGrp="1" noChangeAspect="1"/>
+          </p:cNvPicPr>
+          <p:nvPr>
+            <p:ph idx="1"/>
+          </p:nvPr>
+        </p:nvPicPr>
+        <p:blipFill>
+          <a:blip r:embed="rId2"/>
+          <a:stretch>
+            <a:fillRect/>
+          </a:stretch>
+        </p:blipFill>
+        <p:spPr>
+          <a:xfrm>
             <a:off x="977250" y="0"/>
             <a:ext cx="10237500" cy="6893250"/>
           </a:xfrm>
@@ -9787,7 +11041,7 @@
 </p:sld>
 </file>
 
-<file path=ppt/slides/slide22.xml><?xml version="1.0" encoding="utf-8"?>
+<file path=ppt/slides/slide23.xml><?xml version="1.0" encoding="utf-8"?>
 <p:sld xmlns:a="http://schemas.openxmlformats.org/drawingml/2006/main" xmlns:r="http://schemas.openxmlformats.org/officeDocument/2006/relationships" xmlns:p="http://schemas.openxmlformats.org/presentationml/2006/main">
   <p:cSld>
     <p:spTree>
@@ -15594,4 +16848,299 @@
     </a:ext>
   </a:extLst>
 </a:theme>
+</file>
+
+<file path=ppt/theme/theme2.xml><?xml version="1.0" encoding="utf-8"?>
+<a:theme xmlns:a="http://schemas.openxmlformats.org/drawingml/2006/main" name="Office Theme">
+  <a:themeElements>
+    <a:clrScheme name="Office">
+      <a:dk1>
+        <a:sysClr val="windowText" lastClr="000000"/>
+      </a:dk1>
+      <a:lt1>
+        <a:sysClr val="window" lastClr="FFFFFF"/>
+      </a:lt1>
+      <a:dk2>
+        <a:srgbClr val="44546A"/>
+      </a:dk2>
+      <a:lt2>
+        <a:srgbClr val="E7E6E6"/>
+      </a:lt2>
+      <a:accent1>
+        <a:srgbClr val="4472C4"/>
+      </a:accent1>
+      <a:accent2>
+        <a:srgbClr val="ED7D31"/>
+      </a:accent2>
+      <a:accent3>
+        <a:srgbClr val="A5A5A5"/>
+      </a:accent3>
+      <a:accent4>
+        <a:srgbClr val="FFC000"/>
+      </a:accent4>
+      <a:accent5>
+        <a:srgbClr val="5B9BD5"/>
+      </a:accent5>
+      <a:accent6>
+        <a:srgbClr val="70AD47"/>
+      </a:accent6>
+      <a:hlink>
+        <a:srgbClr val="0563C1"/>
+      </a:hlink>
+      <a:folHlink>
+        <a:srgbClr val="954F72"/>
+      </a:folHlink>
+    </a:clrScheme>
+    <a:fontScheme name="Office">
+      <a:majorFont>
+        <a:latin typeface="Calibri Light" panose="020F0302020204030204"/>
+        <a:ea typeface=""/>
+        <a:cs typeface=""/>
+        <a:font script="Jpan" typeface="游ゴシック Light"/>
+        <a:font script="Hang" typeface="맑은 고딕"/>
+        <a:font script="Hans" typeface="等线 Light"/>
+        <a:font script="Hant" typeface="新細明體"/>
+        <a:font script="Arab" typeface="Times New Roman"/>
+        <a:font script="Hebr" typeface="Times New Roman"/>
+        <a:font script="Thai" typeface="Angsana New"/>
+        <a:font script="Ethi" typeface="Nyala"/>
+        <a:font script="Beng" typeface="Vrinda"/>
+        <a:font script="Gujr" typeface="Shruti"/>
+        <a:font script="Khmr" typeface="MoolBoran"/>
+        <a:font script="Knda" typeface="Tunga"/>
+        <a:font script="Guru" typeface="Raavi"/>
+        <a:font script="Cans" typeface="Euphemia"/>
+        <a:font script="Cher" typeface="Plantagenet Cherokee"/>
+        <a:font script="Yiii" typeface="Microsoft Yi Baiti"/>
+        <a:font script="Tibt" typeface="Microsoft Himalaya"/>
+        <a:font script="Thaa" typeface="MV Boli"/>
+        <a:font script="Deva" typeface="Mangal"/>
+        <a:font script="Telu" typeface="Gautami"/>
+        <a:font script="Taml" typeface="Latha"/>
+        <a:font script="Syrc" typeface="Estrangelo Edessa"/>
+        <a:font script="Orya" typeface="Kalinga"/>
+        <a:font script="Mlym" typeface="Kartika"/>
+        <a:font script="Laoo" typeface="DokChampa"/>
+        <a:font script="Sinh" typeface="Iskoola Pota"/>
+        <a:font script="Mong" typeface="Mongolian Baiti"/>
+        <a:font script="Viet" typeface="Times New Roman"/>
+        <a:font script="Uigh" typeface="Microsoft Uighur"/>
+        <a:font script="Geor" typeface="Sylfaen"/>
+        <a:font script="Armn" typeface="Arial"/>
+        <a:font script="Bugi" typeface="Leelawadee UI"/>
+        <a:font script="Bopo" typeface="Microsoft JhengHei"/>
+        <a:font script="Java" typeface="Javanese Text"/>
+        <a:font script="Lisu" typeface="Segoe UI"/>
+        <a:font script="Mymr" typeface="Myanmar Text"/>
+        <a:font script="Nkoo" typeface="Ebrima"/>
+        <a:font script="Olck" typeface="Nirmala UI"/>
+        <a:font script="Osma" typeface="Ebrima"/>
+        <a:font script="Phag" typeface="Phagspa"/>
+        <a:font script="Syrn" typeface="Estrangelo Edessa"/>
+        <a:font script="Syrj" typeface="Estrangelo Edessa"/>
+        <a:font script="Syre" typeface="Estrangelo Edessa"/>
+        <a:font script="Sora" typeface="Nirmala UI"/>
+        <a:font script="Tale" typeface="Microsoft Tai Le"/>
+        <a:font script="Talu" typeface="Microsoft New Tai Lue"/>
+        <a:font script="Tfng" typeface="Ebrima"/>
+      </a:majorFont>
+      <a:minorFont>
+        <a:latin typeface="Calibri" panose="020F0502020204030204"/>
+        <a:ea typeface=""/>
+        <a:cs typeface=""/>
+        <a:font script="Jpan" typeface="游ゴシック"/>
+        <a:font script="Hang" typeface="맑은 고딕"/>
+        <a:font script="Hans" typeface="等线"/>
+        <a:font script="Hant" typeface="新細明體"/>
+        <a:font script="Arab" typeface="Arial"/>
+        <a:font script="Hebr" typeface="Arial"/>
+        <a:font script="Thai" typeface="Cordia New"/>
+        <a:font script="Ethi" typeface="Nyala"/>
+        <a:font script="Beng" typeface="Vrinda"/>
+        <a:font script="Gujr" typeface="Shruti"/>
+        <a:font script="Khmr" typeface="DaunPenh"/>
+        <a:font script="Knda" typeface="Tunga"/>
+        <a:font script="Guru" typeface="Raavi"/>
+        <a:font script="Cans" typeface="Euphemia"/>
+        <a:font script="Cher" typeface="Plantagenet Cherokee"/>
+        <a:font script="Yiii" typeface="Microsoft Yi Baiti"/>
+        <a:font script="Tibt" typeface="Microsoft Himalaya"/>
+        <a:font script="Thaa" typeface="MV Boli"/>
+        <a:font script="Deva" typeface="Mangal"/>
+        <a:font script="Telu" typeface="Gautami"/>
+        <a:font script="Taml" typeface="Latha"/>
+        <a:font script="Syrc" typeface="Estrangelo Edessa"/>
+        <a:font script="Orya" typeface="Kalinga"/>
+        <a:font script="Mlym" typeface="Kartika"/>
+        <a:font script="Laoo" typeface="DokChampa"/>
+        <a:font script="Sinh" typeface="Iskoola Pota"/>
+        <a:font script="Mong" typeface="Mongolian Baiti"/>
+        <a:font script="Viet" typeface="Arial"/>
+        <a:font script="Uigh" typeface="Microsoft Uighur"/>
+        <a:font script="Geor" typeface="Sylfaen"/>
+        <a:font script="Armn" typeface="Arial"/>
+        <a:font script="Bugi" typeface="Leelawadee UI"/>
+        <a:font script="Bopo" typeface="Microsoft JhengHei"/>
+        <a:font script="Java" typeface="Javanese Text"/>
+        <a:font script="Lisu" typeface="Segoe UI"/>
+        <a:font script="Mymr" typeface="Myanmar Text"/>
+        <a:font script="Nkoo" typeface="Ebrima"/>
+        <a:font script="Olck" typeface="Nirmala UI"/>
+        <a:font script="Osma" typeface="Ebrima"/>
+        <a:font script="Phag" typeface="Phagspa"/>
+        <a:font script="Syrn" typeface="Estrangelo Edessa"/>
+        <a:font script="Syrj" typeface="Estrangelo Edessa"/>
+        <a:font script="Syre" typeface="Estrangelo Edessa"/>
+        <a:font script="Sora" typeface="Nirmala UI"/>
+        <a:font script="Tale" typeface="Microsoft Tai Le"/>
+        <a:font script="Talu" typeface="Microsoft New Tai Lue"/>
+        <a:font script="Tfng" typeface="Ebrima"/>
+      </a:minorFont>
+    </a:fontScheme>
+    <a:fmtScheme name="Office">
+      <a:fillStyleLst>
+        <a:solidFill>
+          <a:schemeClr val="phClr"/>
+        </a:solidFill>
+        <a:gradFill rotWithShape="1">
+          <a:gsLst>
+            <a:gs pos="0">
+              <a:schemeClr val="phClr">
+                <a:lumMod val="110000"/>
+                <a:satMod val="105000"/>
+                <a:tint val="67000"/>
+              </a:schemeClr>
+            </a:gs>
+            <a:gs pos="50000">
+              <a:schemeClr val="phClr">
+                <a:lumMod val="105000"/>
+                <a:satMod val="103000"/>
+                <a:tint val="73000"/>
+              </a:schemeClr>
+            </a:gs>
+            <a:gs pos="100000">
+              <a:schemeClr val="phClr">
+                <a:lumMod val="105000"/>
+                <a:satMod val="109000"/>
+                <a:tint val="81000"/>
+              </a:schemeClr>
+            </a:gs>
+          </a:gsLst>
+          <a:lin ang="5400000" scaled="0"/>
+        </a:gradFill>
+        <a:gradFill rotWithShape="1">
+          <a:gsLst>
+            <a:gs pos="0">
+              <a:schemeClr val="phClr">
+                <a:satMod val="103000"/>
+                <a:lumMod val="102000"/>
+                <a:tint val="94000"/>
+              </a:schemeClr>
+            </a:gs>
+            <a:gs pos="50000">
+              <a:schemeClr val="phClr">
+                <a:satMod val="110000"/>
+                <a:lumMod val="100000"/>
+                <a:shade val="100000"/>
+              </a:schemeClr>
+            </a:gs>
+            <a:gs pos="100000">
+              <a:schemeClr val="phClr">
+                <a:lumMod val="99000"/>
+                <a:satMod val="120000"/>
+                <a:shade val="78000"/>
+              </a:schemeClr>
+            </a:gs>
+          </a:gsLst>
+          <a:lin ang="5400000" scaled="0"/>
+        </a:gradFill>
+      </a:fillStyleLst>
+      <a:lnStyleLst>
+        <a:ln w="6350" cap="flat" cmpd="sng" algn="ctr">
+          <a:solidFill>
+            <a:schemeClr val="phClr"/>
+          </a:solidFill>
+          <a:prstDash val="solid"/>
+          <a:miter lim="800000"/>
+        </a:ln>
+        <a:ln w="12700" cap="flat" cmpd="sng" algn="ctr">
+          <a:solidFill>
+            <a:schemeClr val="phClr"/>
+          </a:solidFill>
+          <a:prstDash val="solid"/>
+          <a:miter lim="800000"/>
+        </a:ln>
+        <a:ln w="19050" cap="flat" cmpd="sng" algn="ctr">
+          <a:solidFill>
+            <a:schemeClr val="phClr"/>
+          </a:solidFill>
+          <a:prstDash val="solid"/>
+          <a:miter lim="800000"/>
+        </a:ln>
+      </a:lnStyleLst>
+      <a:effectStyleLst>
+        <a:effectStyle>
+          <a:effectLst/>
+        </a:effectStyle>
+        <a:effectStyle>
+          <a:effectLst/>
+        </a:effectStyle>
+        <a:effectStyle>
+          <a:effectLst>
+            <a:outerShdw blurRad="57150" dist="19050" dir="5400000" algn="ctr" rotWithShape="0">
+              <a:srgbClr val="000000">
+                <a:alpha val="63000"/>
+              </a:srgbClr>
+            </a:outerShdw>
+          </a:effectLst>
+        </a:effectStyle>
+      </a:effectStyleLst>
+      <a:bgFillStyleLst>
+        <a:solidFill>
+          <a:schemeClr val="phClr"/>
+        </a:solidFill>
+        <a:solidFill>
+          <a:schemeClr val="phClr">
+            <a:tint val="95000"/>
+            <a:satMod val="170000"/>
+          </a:schemeClr>
+        </a:solidFill>
+        <a:gradFill rotWithShape="1">
+          <a:gsLst>
+            <a:gs pos="0">
+              <a:schemeClr val="phClr">
+                <a:tint val="93000"/>
+                <a:satMod val="150000"/>
+                <a:shade val="98000"/>
+                <a:lumMod val="102000"/>
+              </a:schemeClr>
+            </a:gs>
+            <a:gs pos="50000">
+              <a:schemeClr val="phClr">
+                <a:tint val="98000"/>
+                <a:satMod val="130000"/>
+                <a:shade val="90000"/>
+                <a:lumMod val="103000"/>
+              </a:schemeClr>
+            </a:gs>
+            <a:gs pos="100000">
+              <a:schemeClr val="phClr">
+                <a:shade val="63000"/>
+                <a:satMod val="120000"/>
+              </a:schemeClr>
+            </a:gs>
+          </a:gsLst>
+          <a:lin ang="5400000" scaled="0"/>
+        </a:gradFill>
+      </a:bgFillStyleLst>
+    </a:fmtScheme>
+  </a:themeElements>
+  <a:objectDefaults/>
+  <a:extraClrSchemeLst/>
+  <a:extLst>
+    <a:ext uri="{05A4C25C-085E-4340-85A3-A5531E510DB2}">
+      <thm15:themeFamily xmlns:thm15="http://schemas.microsoft.com/office/thememl/2012/main" name="Office Theme" id="{62F939B6-93AF-4DB8-9C6B-D6C7DFDC589F}" vid="{4A3C46E8-61CC-4603-A589-7422A47A8E4A}"/>
+    </a:ext>
+  </a:extLst>
+</a:theme>
 </file>